--- a/2018/Slides/Day 2.pptx
+++ b/2018/Slides/Day 2.pptx
@@ -13,6 +13,7 @@
     <p:sldId id="258" r:id="rId7"/>
     <p:sldId id="257" r:id="rId8"/>
     <p:sldId id="260" r:id="rId9"/>
+    <p:sldId id="264" r:id="rId10"/>
   </p:sldIdLst>
   <p:sldSz cx="12192000" cy="6858000"/>
   <p:notesSz cx="6858000" cy="9144000"/>
@@ -5356,10 +5357,10 @@
               <a:t>https://github.com/mwaskom/seaborn-data</a:t>
             </a:r>
             <a:r>
-              <a:rPr lang="en-US"/>
+              <a:rPr lang="en-US" dirty="0"/>
               <a:t> </a:t>
             </a:r>
-            <a:endParaRPr lang="id-ID"/>
+            <a:endParaRPr lang="id-ID" dirty="0"/>
           </a:p>
           <a:p>
             <a:pPr marL="0" indent="0" algn="ctr">
@@ -5637,6 +5638,279 @@
     <p:extLst>
       <p:ext uri="{BB962C8B-B14F-4D97-AF65-F5344CB8AC3E}">
         <p14:creationId xmlns:p14="http://schemas.microsoft.com/office/powerpoint/2010/main" val="4031216226"/>
+      </p:ext>
+    </p:extLst>
+  </p:cSld>
+  <p:clrMapOvr>
+    <a:masterClrMapping/>
+  </p:clrMapOvr>
+</p:sld>
+</file>
+
+<file path=ppt/slides/slide9.xml><?xml version="1.0" encoding="utf-8"?>
+<p:sld xmlns:a="http://schemas.openxmlformats.org/drawingml/2006/main" xmlns:r="http://schemas.openxmlformats.org/officeDocument/2006/relationships" xmlns:p="http://schemas.openxmlformats.org/presentationml/2006/main">
+  <p:cSld>
+    <p:spTree>
+      <p:nvGrpSpPr>
+        <p:cNvPr id="1" name=""/>
+        <p:cNvGrpSpPr/>
+        <p:nvPr/>
+      </p:nvGrpSpPr>
+      <p:grpSpPr>
+        <a:xfrm>
+          <a:off x="0" y="0"/>
+          <a:ext cx="0" cy="0"/>
+          <a:chOff x="0" y="0"/>
+          <a:chExt cx="0" cy="0"/>
+        </a:xfrm>
+      </p:grpSpPr>
+      <p:sp>
+        <p:nvSpPr>
+          <p:cNvPr id="2" name="Title 1">
+            <a:extLst>
+              <a:ext uri="{FF2B5EF4-FFF2-40B4-BE49-F238E27FC236}">
+                <a16:creationId xmlns:a16="http://schemas.microsoft.com/office/drawing/2014/main" id="{4AF9696B-1512-45D2-8B95-F6C83F85D7CF}"/>
+              </a:ext>
+            </a:extLst>
+          </p:cNvPr>
+          <p:cNvSpPr>
+            <a:spLocks noGrp="1"/>
+          </p:cNvSpPr>
+          <p:nvPr>
+            <p:ph type="ctrTitle"/>
+          </p:nvPr>
+        </p:nvSpPr>
+        <p:spPr>
+          <a:xfrm>
+            <a:off x="1523999" y="3396285"/>
+            <a:ext cx="9144000" cy="1091883"/>
+          </a:xfrm>
+        </p:spPr>
+        <p:txBody>
+          <a:bodyPr>
+            <a:normAutofit/>
+          </a:bodyPr>
+          <a:lstStyle/>
+          <a:p>
+            <a:r>
+              <a:rPr lang="en-ID" sz="7200" dirty="0">
+                <a:latin typeface="Gotham Bold" pitchFamily="50" charset="0"/>
+              </a:rPr>
+              <a:t>Pandas </a:t>
+            </a:r>
+            <a:r>
+              <a:rPr lang="en-ID" sz="7200" dirty="0" err="1">
+                <a:latin typeface="Gotham Bold" pitchFamily="50" charset="0"/>
+              </a:rPr>
+              <a:t>blt’in</a:t>
+            </a:r>
+            <a:r>
+              <a:rPr lang="en-ID" sz="7200" dirty="0">
+                <a:latin typeface="Gotham Bold" pitchFamily="50" charset="0"/>
+              </a:rPr>
+              <a:t> DV</a:t>
+            </a:r>
+            <a:endParaRPr lang="id-ID" sz="7200" dirty="0">
+              <a:latin typeface="Gotham Bold" pitchFamily="50" charset="0"/>
+            </a:endParaRPr>
+          </a:p>
+        </p:txBody>
+      </p:sp>
+      <p:sp>
+        <p:nvSpPr>
+          <p:cNvPr id="3" name="Subtitle 2">
+            <a:extLst>
+              <a:ext uri="{FF2B5EF4-FFF2-40B4-BE49-F238E27FC236}">
+                <a16:creationId xmlns:a16="http://schemas.microsoft.com/office/drawing/2014/main" id="{625127FE-F535-44F6-89A1-F7FEC3B2B9AD}"/>
+              </a:ext>
+            </a:extLst>
+          </p:cNvPr>
+          <p:cNvSpPr>
+            <a:spLocks noGrp="1"/>
+          </p:cNvSpPr>
+          <p:nvPr>
+            <p:ph type="subTitle" idx="1"/>
+          </p:nvPr>
+        </p:nvSpPr>
+        <p:spPr>
+          <a:xfrm>
+            <a:off x="2727960" y="2689731"/>
+            <a:ext cx="6532880" cy="706554"/>
+          </a:xfrm>
+        </p:spPr>
+        <p:txBody>
+          <a:bodyPr>
+            <a:noAutofit/>
+          </a:bodyPr>
+          <a:lstStyle/>
+          <a:p>
+            <a:r>
+              <a:rPr lang="en-ID" sz="3050" dirty="0">
+                <a:latin typeface="Gotham Book" pitchFamily="50" charset="0"/>
+              </a:rPr>
+              <a:t>Python for Data Visualization</a:t>
+            </a:r>
+            <a:endParaRPr lang="id-ID" sz="3050" dirty="0">
+              <a:latin typeface="Gotham Book" pitchFamily="50" charset="0"/>
+            </a:endParaRPr>
+          </a:p>
+        </p:txBody>
+      </p:sp>
+      <p:pic>
+        <p:nvPicPr>
+          <p:cNvPr id="7" name="Content Placeholder 4">
+            <a:extLst>
+              <a:ext uri="{FF2B5EF4-FFF2-40B4-BE49-F238E27FC236}">
+                <a16:creationId xmlns:a16="http://schemas.microsoft.com/office/drawing/2014/main" id="{D8463C13-1F46-4D1D-B93E-D1DB6E22D2DE}"/>
+              </a:ext>
+            </a:extLst>
+          </p:cNvPr>
+          <p:cNvPicPr>
+            <a:picLocks noChangeAspect="1"/>
+          </p:cNvPicPr>
+          <p:nvPr/>
+        </p:nvPicPr>
+        <p:blipFill>
+          <a:blip r:embed="rId2"/>
+          <a:stretch>
+            <a:fillRect/>
+          </a:stretch>
+        </p:blipFill>
+        <p:spPr>
+          <a:xfrm>
+            <a:off x="4942035" y="566866"/>
+            <a:ext cx="2307927" cy="2297012"/>
+          </a:xfrm>
+          <a:prstGeom prst="rect">
+            <a:avLst/>
+          </a:prstGeom>
+        </p:spPr>
+      </p:pic>
+      <p:sp>
+        <p:nvSpPr>
+          <p:cNvPr id="9" name="Rectangle: Rounded Corners 8">
+            <a:extLst>
+              <a:ext uri="{FF2B5EF4-FFF2-40B4-BE49-F238E27FC236}">
+                <a16:creationId xmlns:a16="http://schemas.microsoft.com/office/drawing/2014/main" id="{868902CD-C93A-45AC-BCF1-87F2D664AB1C}"/>
+              </a:ext>
+            </a:extLst>
+          </p:cNvPr>
+          <p:cNvSpPr/>
+          <p:nvPr/>
+        </p:nvSpPr>
+        <p:spPr>
+          <a:xfrm>
+            <a:off x="2798479" y="4811930"/>
+            <a:ext cx="6156678" cy="765583"/>
+          </a:xfrm>
+          <a:prstGeom prst="roundRect">
+            <a:avLst/>
+          </a:prstGeom>
+          <a:solidFill>
+            <a:srgbClr val="F7B125"/>
+          </a:solidFill>
+          <a:ln>
+            <a:noFill/>
+          </a:ln>
+        </p:spPr>
+        <p:style>
+          <a:lnRef idx="2">
+            <a:schemeClr val="accent1">
+              <a:shade val="50000"/>
+            </a:schemeClr>
+          </a:lnRef>
+          <a:fillRef idx="1">
+            <a:schemeClr val="accent1"/>
+          </a:fillRef>
+          <a:effectRef idx="0">
+            <a:schemeClr val="accent1"/>
+          </a:effectRef>
+          <a:fontRef idx="minor">
+            <a:schemeClr val="lt1"/>
+          </a:fontRef>
+        </p:style>
+        <p:txBody>
+          <a:bodyPr rtlCol="0" anchor="ctr"/>
+          <a:lstStyle/>
+          <a:p>
+            <a:pPr algn="ctr"/>
+            <a:r>
+              <a:rPr lang="en-ID" dirty="0" err="1">
+                <a:solidFill>
+                  <a:schemeClr val="tx1"/>
+                </a:solidFill>
+                <a:latin typeface="Gotham Medium" panose="02000604030000020004" pitchFamily="50" charset="0"/>
+              </a:rPr>
+              <a:t>Langusng</a:t>
+            </a:r>
+            <a:r>
+              <a:rPr lang="en-ID" dirty="0">
+                <a:solidFill>
+                  <a:schemeClr val="tx1"/>
+                </a:solidFill>
+                <a:latin typeface="Gotham Medium" panose="02000604030000020004" pitchFamily="50" charset="0"/>
+              </a:rPr>
+              <a:t> jump </a:t>
+            </a:r>
+            <a:r>
+              <a:rPr lang="en-ID" dirty="0" err="1">
+                <a:solidFill>
+                  <a:schemeClr val="tx1"/>
+                </a:solidFill>
+                <a:latin typeface="Gotham Medium" panose="02000604030000020004" pitchFamily="50" charset="0"/>
+              </a:rPr>
+              <a:t>ke</a:t>
+            </a:r>
+            <a:r>
+              <a:rPr lang="en-ID" dirty="0">
+                <a:solidFill>
+                  <a:schemeClr val="tx1"/>
+                </a:solidFill>
+                <a:latin typeface="Gotham Medium" panose="02000604030000020004" pitchFamily="50" charset="0"/>
+              </a:rPr>
+              <a:t> </a:t>
+            </a:r>
+            <a:r>
+              <a:rPr lang="en-ID" dirty="0" err="1">
+                <a:solidFill>
+                  <a:schemeClr val="tx1"/>
+                </a:solidFill>
+                <a:latin typeface="Gotham Medium" panose="02000604030000020004" pitchFamily="50" charset="0"/>
+              </a:rPr>
+              <a:t>Jupyter</a:t>
+            </a:r>
+            <a:r>
+              <a:rPr lang="en-ID" dirty="0">
+                <a:solidFill>
+                  <a:schemeClr val="tx1"/>
+                </a:solidFill>
+                <a:latin typeface="Gotham Medium" panose="02000604030000020004" pitchFamily="50" charset="0"/>
+              </a:rPr>
+              <a:t> notebook </a:t>
+            </a:r>
+            <a:r>
+              <a:rPr lang="en-ID" dirty="0">
+                <a:solidFill>
+                  <a:schemeClr val="tx1"/>
+                </a:solidFill>
+                <a:latin typeface="Gotham Medium" panose="02000604030000020004" pitchFamily="50" charset="0"/>
+                <a:sym typeface="Wingdings" panose="05000000000000000000" pitchFamily="2" charset="2"/>
+              </a:rPr>
+              <a:t></a:t>
+            </a:r>
+            <a:endParaRPr lang="id-ID" dirty="0">
+              <a:solidFill>
+                <a:schemeClr val="tx1"/>
+              </a:solidFill>
+              <a:latin typeface="Gotham Medium" panose="02000604030000020004" pitchFamily="50" charset="0"/>
+            </a:endParaRPr>
+          </a:p>
+        </p:txBody>
+      </p:sp>
+    </p:spTree>
+    <p:extLst>
+      <p:ext uri="{BB962C8B-B14F-4D97-AF65-F5344CB8AC3E}">
+        <p14:creationId xmlns:p14="http://schemas.microsoft.com/office/powerpoint/2010/main" val="3302112715"/>
       </p:ext>
     </p:extLst>
   </p:cSld>
